--- a/스터디_내_발표분량_ppt/(2022-01-24)테이블_레이아웃.pptx
+++ b/스터디_내_발표분량_ppt/(2022-01-24)테이블_레이아웃.pptx
@@ -13,14 +13,15 @@
     <p:sldId id="291" r:id="rId7"/>
     <p:sldId id="292" r:id="rId8"/>
     <p:sldId id="293" r:id="rId9"/>
+    <p:sldId id="294" r:id="rId10"/>
   </p:sldIdLst>
   <p:sldSz cx="12192000" cy="6858000"/>
   <p:notesSz cx="6858000" cy="9144000"/>
   <p:embeddedFontLst>
     <p:embeddedFont>
       <p:font typeface="맑은 고딕" panose="020B0503020000020004" pitchFamily="50" charset="-127"/>
-      <p:regular r:id="rId10"/>
-      <p:bold r:id="rId11"/>
+      <p:regular r:id="rId11"/>
+      <p:bold r:id="rId12"/>
     </p:embeddedFont>
   </p:embeddedFontLst>
   <p:defaultTextStyle>
@@ -7950,6 +7951,60 @@
                                   </p:childTnLst>
                                 </p:cTn>
                               </p:par>
+                              <p:par>
+                                <p:cTn id="7" presetID="1" presetClass="entr" presetSubtype="0" fill="hold" nodeType="withEffect">
+                                  <p:stCondLst>
+                                    <p:cond delay="0"/>
+                                  </p:stCondLst>
+                                  <p:childTnLst>
+                                    <p:set>
+                                      <p:cBhvr>
+                                        <p:cTn id="8" dur="1" fill="hold">
+                                          <p:stCondLst>
+                                            <p:cond delay="0"/>
+                                          </p:stCondLst>
+                                        </p:cTn>
+                                        <p:tgtEl>
+                                          <p:spTgt spid="8"/>
+                                        </p:tgtEl>
+                                        <p:attrNameLst>
+                                          <p:attrName>style.visibility</p:attrName>
+                                        </p:attrNameLst>
+                                      </p:cBhvr>
+                                      <p:to>
+                                        <p:strVal val="visible"/>
+                                      </p:to>
+                                    </p:set>
+                                  </p:childTnLst>
+                                </p:cTn>
+                              </p:par>
+                              <p:par>
+                                <p:cTn id="9" presetID="1" presetClass="entr" presetSubtype="0" fill="hold" nodeType="withEffect">
+                                  <p:stCondLst>
+                                    <p:cond delay="0"/>
+                                  </p:stCondLst>
+                                  <p:childTnLst>
+                                    <p:set>
+                                      <p:cBhvr>
+                                        <p:cTn id="10" dur="1" fill="hold">
+                                          <p:stCondLst>
+                                            <p:cond delay="0"/>
+                                          </p:stCondLst>
+                                        </p:cTn>
+                                        <p:tgtEl>
+                                          <p:spTgt spid="17"/>
+                                        </p:tgtEl>
+                                        <p:attrNameLst>
+                                          <p:attrName>style.visibility</p:attrName>
+                                        </p:attrNameLst>
+                                      </p:cBhvr>
+                                      <p:to>
+                                        <p:strVal val="visible"/>
+                                      </p:to>
+                                    </p:set>
+                                  </p:childTnLst>
+                                </p:cTn>
+                              </p:par>
                             </p:childTnLst>
                           </p:cTn>
                         </p:par>
@@ -9901,8 +9956,486 @@
         </p:blipFill>
         <p:spPr>
           <a:xfrm>
-            <a:off x="489163" y="1633552"/>
+            <a:off x="3063103" y="2381117"/>
             <a:ext cx="6065793" cy="2095765"/>
+          </a:xfrm>
+          <a:prstGeom prst="rect">
+            <a:avLst/>
+          </a:prstGeom>
+        </p:spPr>
+      </p:pic>
+    </p:spTree>
+    <p:extLst>
+      <p:ext uri="{BB962C8B-B14F-4D97-AF65-F5344CB8AC3E}">
+        <p14:creationId xmlns:p14="http://schemas.microsoft.com/office/powerpoint/2010/main" val="134662198"/>
+      </p:ext>
+    </p:extLst>
+  </p:cSld>
+  <p:clrMapOvr>
+    <a:masterClrMapping/>
+  </p:clrMapOvr>
+</p:sld>
+</file>
+
+<file path=ppt/slides/slide9.xml><?xml version="1.0" encoding="utf-8"?>
+<p:sld xmlns:a="http://schemas.openxmlformats.org/drawingml/2006/main" xmlns:r="http://schemas.openxmlformats.org/officeDocument/2006/relationships" xmlns:p="http://schemas.openxmlformats.org/presentationml/2006/main">
+  <p:cSld>
+    <p:bg>
+      <p:bgPr>
+        <a:solidFill>
+          <a:srgbClr val="242A38"/>
+        </a:solidFill>
+        <a:effectLst/>
+      </p:bgPr>
+    </p:bg>
+    <p:spTree>
+      <p:nvGrpSpPr>
+        <p:cNvPr id="1" name=""/>
+        <p:cNvGrpSpPr/>
+        <p:nvPr/>
+      </p:nvGrpSpPr>
+      <p:grpSpPr>
+        <a:xfrm>
+          <a:off x="0" y="0"/>
+          <a:ext cx="0" cy="0"/>
+          <a:chOff x="0" y="0"/>
+          <a:chExt cx="0" cy="0"/>
+        </a:xfrm>
+      </p:grpSpPr>
+      <p:sp>
+        <p:nvSpPr>
+          <p:cNvPr id="130" name="직사각형 129">
+            <a:extLst>
+              <a:ext uri="{FF2B5EF4-FFF2-40B4-BE49-F238E27FC236}">
+                <a16:creationId xmlns:a16="http://schemas.microsoft.com/office/drawing/2014/main" id="{3BAF82A9-E7B8-4C3D-B69A-D42D25F92547}"/>
+              </a:ext>
+            </a:extLst>
+          </p:cNvPr>
+          <p:cNvSpPr/>
+          <p:nvPr/>
+        </p:nvSpPr>
+        <p:spPr>
+          <a:xfrm>
+            <a:off x="11277600" y="-1063625"/>
+            <a:ext cx="914400" cy="914400"/>
+          </a:xfrm>
+          <a:prstGeom prst="rect">
+            <a:avLst/>
+          </a:prstGeom>
+          <a:solidFill>
+            <a:srgbClr val="242A38"/>
+          </a:solidFill>
+          <a:ln>
+            <a:noFill/>
+          </a:ln>
+        </p:spPr>
+        <p:style>
+          <a:lnRef idx="2">
+            <a:schemeClr val="accent1">
+              <a:shade val="50000"/>
+            </a:schemeClr>
+          </a:lnRef>
+          <a:fillRef idx="1">
+            <a:schemeClr val="accent1"/>
+          </a:fillRef>
+          <a:effectRef idx="0">
+            <a:schemeClr val="accent1"/>
+          </a:effectRef>
+          <a:fontRef idx="minor">
+            <a:schemeClr val="lt1"/>
+          </a:fontRef>
+        </p:style>
+        <p:txBody>
+          <a:bodyPr rtlCol="0" anchor="ctr"/>
+          <a:lstStyle/>
+          <a:p>
+            <a:pPr algn="ctr"/>
+            <a:endParaRPr lang="ko-KR" altLang="en-US"/>
+          </a:p>
+        </p:txBody>
+      </p:sp>
+      <p:sp>
+        <p:nvSpPr>
+          <p:cNvPr id="131" name="직사각형 130">
+            <a:extLst>
+              <a:ext uri="{FF2B5EF4-FFF2-40B4-BE49-F238E27FC236}">
+                <a16:creationId xmlns:a16="http://schemas.microsoft.com/office/drawing/2014/main" id="{3C2E937B-D31A-42DE-8B63-8255345D2701}"/>
+              </a:ext>
+            </a:extLst>
+          </p:cNvPr>
+          <p:cNvSpPr/>
+          <p:nvPr/>
+        </p:nvSpPr>
+        <p:spPr>
+          <a:xfrm>
+            <a:off x="10161262" y="-1063625"/>
+            <a:ext cx="914400" cy="914400"/>
+          </a:xfrm>
+          <a:prstGeom prst="rect">
+            <a:avLst/>
+          </a:prstGeom>
+          <a:solidFill>
+            <a:srgbClr val="F54E65"/>
+          </a:solidFill>
+          <a:ln>
+            <a:noFill/>
+          </a:ln>
+        </p:spPr>
+        <p:style>
+          <a:lnRef idx="2">
+            <a:schemeClr val="accent1">
+              <a:shade val="50000"/>
+            </a:schemeClr>
+          </a:lnRef>
+          <a:fillRef idx="1">
+            <a:schemeClr val="accent1"/>
+          </a:fillRef>
+          <a:effectRef idx="0">
+            <a:schemeClr val="accent1"/>
+          </a:effectRef>
+          <a:fontRef idx="minor">
+            <a:schemeClr val="lt1"/>
+          </a:fontRef>
+        </p:style>
+        <p:txBody>
+          <a:bodyPr rtlCol="0" anchor="ctr"/>
+          <a:lstStyle/>
+          <a:p>
+            <a:pPr algn="ctr"/>
+            <a:endParaRPr lang="ko-KR" altLang="en-US"/>
+          </a:p>
+        </p:txBody>
+      </p:sp>
+      <p:sp>
+        <p:nvSpPr>
+          <p:cNvPr id="132" name="직사각형 131">
+            <a:extLst>
+              <a:ext uri="{FF2B5EF4-FFF2-40B4-BE49-F238E27FC236}">
+                <a16:creationId xmlns:a16="http://schemas.microsoft.com/office/drawing/2014/main" id="{D89CD3D3-3F17-4055-BF54-1DD477079DFF}"/>
+              </a:ext>
+            </a:extLst>
+          </p:cNvPr>
+          <p:cNvSpPr/>
+          <p:nvPr/>
+        </p:nvSpPr>
+        <p:spPr>
+          <a:xfrm>
+            <a:off x="9044924" y="-1063625"/>
+            <a:ext cx="914400" cy="914400"/>
+          </a:xfrm>
+          <a:prstGeom prst="rect">
+            <a:avLst/>
+          </a:prstGeom>
+          <a:solidFill>
+            <a:srgbClr val="F67F5E"/>
+          </a:solidFill>
+          <a:ln>
+            <a:noFill/>
+          </a:ln>
+        </p:spPr>
+        <p:style>
+          <a:lnRef idx="2">
+            <a:schemeClr val="accent1">
+              <a:shade val="50000"/>
+            </a:schemeClr>
+          </a:lnRef>
+          <a:fillRef idx="1">
+            <a:schemeClr val="accent1"/>
+          </a:fillRef>
+          <a:effectRef idx="0">
+            <a:schemeClr val="accent1"/>
+          </a:effectRef>
+          <a:fontRef idx="minor">
+            <a:schemeClr val="lt1"/>
+          </a:fontRef>
+        </p:style>
+        <p:txBody>
+          <a:bodyPr rtlCol="0" anchor="ctr"/>
+          <a:lstStyle/>
+          <a:p>
+            <a:pPr algn="ctr"/>
+            <a:endParaRPr lang="ko-KR" altLang="en-US"/>
+          </a:p>
+        </p:txBody>
+      </p:sp>
+      <p:sp>
+        <p:nvSpPr>
+          <p:cNvPr id="57" name="직사각형 56">
+            <a:extLst>
+              <a:ext uri="{FF2B5EF4-FFF2-40B4-BE49-F238E27FC236}">
+                <a16:creationId xmlns:a16="http://schemas.microsoft.com/office/drawing/2014/main" id="{C566A0BF-3E4D-4E8D-A2BD-26AC6DEFE3AE}"/>
+              </a:ext>
+            </a:extLst>
+          </p:cNvPr>
+          <p:cNvSpPr/>
+          <p:nvPr/>
+        </p:nvSpPr>
+        <p:spPr>
+          <a:xfrm>
+            <a:off x="7928586" y="-1063625"/>
+            <a:ext cx="914400" cy="914400"/>
+          </a:xfrm>
+          <a:prstGeom prst="rect">
+            <a:avLst/>
+          </a:prstGeom>
+          <a:solidFill>
+            <a:srgbClr val="FFFFFF"/>
+          </a:solidFill>
+          <a:ln>
+            <a:noFill/>
+          </a:ln>
+        </p:spPr>
+        <p:style>
+          <a:lnRef idx="2">
+            <a:schemeClr val="accent1">
+              <a:shade val="50000"/>
+            </a:schemeClr>
+          </a:lnRef>
+          <a:fillRef idx="1">
+            <a:schemeClr val="accent1"/>
+          </a:fillRef>
+          <a:effectRef idx="0">
+            <a:schemeClr val="accent1"/>
+          </a:effectRef>
+          <a:fontRef idx="minor">
+            <a:schemeClr val="lt1"/>
+          </a:fontRef>
+        </p:style>
+        <p:txBody>
+          <a:bodyPr rtlCol="0" anchor="ctr"/>
+          <a:lstStyle/>
+          <a:p>
+            <a:pPr algn="ctr"/>
+            <a:endParaRPr lang="ko-KR" altLang="en-US"/>
+          </a:p>
+        </p:txBody>
+      </p:sp>
+      <p:sp>
+        <p:nvSpPr>
+          <p:cNvPr id="38" name="TextBox 37">
+            <a:extLst>
+              <a:ext uri="{FF2B5EF4-FFF2-40B4-BE49-F238E27FC236}">
+                <a16:creationId xmlns:a16="http://schemas.microsoft.com/office/drawing/2014/main" id="{E1EB045E-D208-4770-8305-8232D125C8FA}"/>
+              </a:ext>
+            </a:extLst>
+          </p:cNvPr>
+          <p:cNvSpPr txBox="1"/>
+          <p:nvPr/>
+        </p:nvSpPr>
+        <p:spPr>
+          <a:xfrm>
+            <a:off x="140985" y="171059"/>
+            <a:ext cx="1470274" cy="276999"/>
+          </a:xfrm>
+          <a:prstGeom prst="rect">
+            <a:avLst/>
+          </a:prstGeom>
+          <a:noFill/>
+        </p:spPr>
+        <p:txBody>
+          <a:bodyPr wrap="none" rtlCol="0">
+            <a:spAutoFit/>
+          </a:bodyPr>
+          <a:lstStyle/>
+          <a:p>
+            <a:r>
+              <a:rPr lang="en-US" altLang="ko-KR" sz="1200" spc="-50" dirty="0">
+                <a:ln>
+                  <a:solidFill>
+                    <a:schemeClr val="accent1">
+                      <a:alpha val="0"/>
+                    </a:schemeClr>
+                  </a:solidFill>
+                </a:ln>
+                <a:gradFill flip="none" rotWithShape="1">
+                  <a:gsLst>
+                    <a:gs pos="0">
+                      <a:srgbClr val="F67F5E"/>
+                    </a:gs>
+                    <a:gs pos="100000">
+                      <a:srgbClr val="F54E65"/>
+                    </a:gs>
+                  </a:gsLst>
+                  <a:lin ang="0" scaled="1"/>
+                  <a:tileRect/>
+                </a:gradFill>
+                <a:latin typeface="G마켓 산스 Bold" panose="02000000000000000000" pitchFamily="50" charset="-127"/>
+                <a:ea typeface="G마켓 산스 Bold" panose="02000000000000000000" pitchFamily="50" charset="-127"/>
+              </a:rPr>
+              <a:t>02 </a:t>
+            </a:r>
+            <a:r>
+              <a:rPr lang="ko-KR" altLang="en-US" sz="1200" spc="-50" dirty="0">
+                <a:ln>
+                  <a:solidFill>
+                    <a:schemeClr val="accent1">
+                      <a:alpha val="0"/>
+                    </a:schemeClr>
+                  </a:solidFill>
+                </a:ln>
+                <a:gradFill flip="none" rotWithShape="1">
+                  <a:gsLst>
+                    <a:gs pos="0">
+                      <a:srgbClr val="F67F5E"/>
+                    </a:gs>
+                    <a:gs pos="100000">
+                      <a:srgbClr val="F54E65"/>
+                    </a:gs>
+                  </a:gsLst>
+                  <a:lin ang="0" scaled="1"/>
+                  <a:tileRect/>
+                </a:gradFill>
+                <a:latin typeface="G마켓 산스 Bold" panose="02000000000000000000" pitchFamily="50" charset="-127"/>
+                <a:ea typeface="G마켓 산스 Bold" panose="02000000000000000000" pitchFamily="50" charset="-127"/>
+              </a:rPr>
+              <a:t>레이아웃 익히기</a:t>
+            </a:r>
+          </a:p>
+        </p:txBody>
+      </p:sp>
+      <p:sp>
+        <p:nvSpPr>
+          <p:cNvPr id="43" name="TextBox 42">
+            <a:extLst>
+              <a:ext uri="{FF2B5EF4-FFF2-40B4-BE49-F238E27FC236}">
+                <a16:creationId xmlns:a16="http://schemas.microsoft.com/office/drawing/2014/main" id="{F3D894E7-B816-44C7-A74D-ABD35A0E24C6}"/>
+              </a:ext>
+            </a:extLst>
+          </p:cNvPr>
+          <p:cNvSpPr txBox="1"/>
+          <p:nvPr/>
+        </p:nvSpPr>
+        <p:spPr>
+          <a:xfrm>
+            <a:off x="140985" y="448058"/>
+            <a:ext cx="1915909" cy="402161"/>
+          </a:xfrm>
+          <a:prstGeom prst="rect">
+            <a:avLst/>
+          </a:prstGeom>
+          <a:noFill/>
+        </p:spPr>
+        <p:txBody>
+          <a:bodyPr wrap="none" rtlCol="0">
+            <a:spAutoFit/>
+          </a:bodyPr>
+          <a:lstStyle/>
+          <a:p>
+            <a:pPr>
+              <a:lnSpc>
+                <a:spcPct val="110000"/>
+              </a:lnSpc>
+            </a:pPr>
+            <a:r>
+              <a:rPr lang="ko-KR" altLang="en-US" sz="2000" spc="-150" dirty="0">
+                <a:ln>
+                  <a:solidFill>
+                    <a:schemeClr val="accent1">
+                      <a:alpha val="0"/>
+                    </a:schemeClr>
+                  </a:solidFill>
+                </a:ln>
+                <a:solidFill>
+                  <a:srgbClr val="FFFFFF"/>
+                </a:solidFill>
+                <a:latin typeface="G마켓 산스 Bold" panose="02000000000000000000" pitchFamily="50" charset="-127"/>
+                <a:ea typeface="G마켓 산스 Bold" panose="02000000000000000000" pitchFamily="50" charset="-127"/>
+              </a:rPr>
+              <a:t>테이블 레이아웃</a:t>
+            </a:r>
+            <a:endParaRPr lang="ko-KR" altLang="en-US" sz="2000" spc="-150" dirty="0">
+              <a:ln>
+                <a:solidFill>
+                  <a:schemeClr val="accent1">
+                    <a:alpha val="0"/>
+                  </a:schemeClr>
+                </a:solidFill>
+              </a:ln>
+              <a:gradFill flip="none" rotWithShape="1">
+                <a:gsLst>
+                  <a:gs pos="50000">
+                    <a:srgbClr val="F67F5E"/>
+                  </a:gs>
+                  <a:gs pos="100000">
+                    <a:srgbClr val="F54E65"/>
+                  </a:gs>
+                </a:gsLst>
+                <a:lin ang="0" scaled="1"/>
+                <a:tileRect/>
+              </a:gradFill>
+              <a:latin typeface="G마켓 산스 Bold" panose="02000000000000000000" pitchFamily="50" charset="-127"/>
+              <a:ea typeface="G마켓 산스 Bold" panose="02000000000000000000" pitchFamily="50" charset="-127"/>
+            </a:endParaRPr>
+          </a:p>
+        </p:txBody>
+      </p:sp>
+      <p:cxnSp>
+        <p:nvCxnSpPr>
+          <p:cNvPr id="44" name="직선 연결선 43">
+            <a:extLst>
+              <a:ext uri="{FF2B5EF4-FFF2-40B4-BE49-F238E27FC236}">
+                <a16:creationId xmlns:a16="http://schemas.microsoft.com/office/drawing/2014/main" id="{7DE753BA-1FD5-47A2-8DE9-A354FCDA70DB}"/>
+              </a:ext>
+            </a:extLst>
+          </p:cNvPr>
+          <p:cNvCxnSpPr>
+            <a:cxnSpLocks/>
+          </p:cNvCxnSpPr>
+          <p:nvPr/>
+        </p:nvCxnSpPr>
+        <p:spPr>
+          <a:xfrm>
+            <a:off x="259933" y="896680"/>
+            <a:ext cx="458460" cy="0"/>
+          </a:xfrm>
+          <a:prstGeom prst="line">
+            <a:avLst/>
+          </a:prstGeom>
+          <a:ln w="25400">
+            <a:solidFill>
+              <a:srgbClr val="FFFFFF"/>
+            </a:solidFill>
+          </a:ln>
+        </p:spPr>
+        <p:style>
+          <a:lnRef idx="1">
+            <a:schemeClr val="accent1"/>
+          </a:lnRef>
+          <a:fillRef idx="0">
+            <a:schemeClr val="accent1"/>
+          </a:fillRef>
+          <a:effectRef idx="0">
+            <a:schemeClr val="accent1"/>
+          </a:effectRef>
+          <a:fontRef idx="minor">
+            <a:schemeClr val="tx1"/>
+          </a:fontRef>
+        </p:style>
+      </p:cxnSp>
+      <p:pic>
+        <p:nvPicPr>
+          <p:cNvPr id="10" name="그림 9">
+            <a:extLst>
+              <a:ext uri="{FF2B5EF4-FFF2-40B4-BE49-F238E27FC236}">
+                <a16:creationId xmlns:a16="http://schemas.microsoft.com/office/drawing/2014/main" id="{7B489444-0021-4A93-A1F1-EFF0F41255BB}"/>
+              </a:ext>
+            </a:extLst>
+          </p:cNvPr>
+          <p:cNvPicPr>
+            <a:picLocks noChangeAspect="1"/>
+          </p:cNvPicPr>
+          <p:nvPr/>
+        </p:nvPicPr>
+        <p:blipFill>
+          <a:blip r:embed="rId2"/>
+          <a:stretch>
+            <a:fillRect/>
+          </a:stretch>
+        </p:blipFill>
+        <p:spPr>
+          <a:xfrm>
+            <a:off x="775319" y="3053735"/>
+            <a:ext cx="4039619" cy="750529"/>
           </a:xfrm>
           <a:prstGeom prst="rect">
             <a:avLst/>
@@ -9911,10 +10444,10 @@
       </p:pic>
       <p:pic>
         <p:nvPicPr>
-          <p:cNvPr id="5" name="그림 4">
-            <a:extLst>
-              <a:ext uri="{FF2B5EF4-FFF2-40B4-BE49-F238E27FC236}">
-                <a16:creationId xmlns:a16="http://schemas.microsoft.com/office/drawing/2014/main" id="{76EC9B70-CFC6-4B58-970A-6DEFD6BDBCCF}"/>
+          <p:cNvPr id="11" name="그림 10">
+            <a:extLst>
+              <a:ext uri="{FF2B5EF4-FFF2-40B4-BE49-F238E27FC236}">
+                <a16:creationId xmlns:a16="http://schemas.microsoft.com/office/drawing/2014/main" id="{C9902AFD-DCB9-48AC-B5C8-9F6215C1D9B1}"/>
               </a:ext>
             </a:extLst>
           </p:cNvPr>
@@ -9931,37 +10464,7 @@
         </p:blipFill>
         <p:spPr>
           <a:xfrm>
-            <a:off x="1032897" y="4965723"/>
-            <a:ext cx="4039619" cy="750529"/>
-          </a:xfrm>
-          <a:prstGeom prst="rect">
-            <a:avLst/>
-          </a:prstGeom>
-        </p:spPr>
-      </p:pic>
-      <p:pic>
-        <p:nvPicPr>
-          <p:cNvPr id="7" name="그림 6">
-            <a:extLst>
-              <a:ext uri="{FF2B5EF4-FFF2-40B4-BE49-F238E27FC236}">
-                <a16:creationId xmlns:a16="http://schemas.microsoft.com/office/drawing/2014/main" id="{ABE8F1EE-0DBA-454C-8F03-5E78AF46B1C0}"/>
-              </a:ext>
-            </a:extLst>
-          </p:cNvPr>
-          <p:cNvPicPr>
-            <a:picLocks noChangeAspect="1"/>
-          </p:cNvPicPr>
-          <p:nvPr/>
-        </p:nvPicPr>
-        <p:blipFill>
-          <a:blip r:embed="rId4"/>
-          <a:stretch>
-            <a:fillRect/>
-          </a:stretch>
-        </p:blipFill>
-        <p:spPr>
-          <a:xfrm>
-            <a:off x="5677783" y="4293106"/>
+            <a:off x="5420205" y="2381118"/>
             <a:ext cx="6101376" cy="2095764"/>
           </a:xfrm>
           <a:prstGeom prst="rect">
@@ -9972,7 +10475,7 @@
     </p:spTree>
     <p:extLst>
       <p:ext uri="{BB962C8B-B14F-4D97-AF65-F5344CB8AC3E}">
-        <p14:creationId xmlns:p14="http://schemas.microsoft.com/office/powerpoint/2010/main" val="134662198"/>
+        <p14:creationId xmlns:p14="http://schemas.microsoft.com/office/powerpoint/2010/main" val="2606531964"/>
       </p:ext>
     </p:extLst>
   </p:cSld>
